--- a/Documents/Slides/Identity-ClaimsExercise.pptx
+++ b/Documents/Slides/Identity-ClaimsExercise.pptx
@@ -222,7 +222,7 @@
           <a:p>
             <a:fld id="{B5922E6D-3451-482A-A64F-C89F139BA51A}" type="datetimeFigureOut">
               <a:rPr lang="en-US" smtClean="0"/>
-              <a:t>12/2/2014</a:t>
+              <a:t>12/3/2014</a:t>
             </a:fld>
             <a:endParaRPr lang="en-US"/>
           </a:p>
@@ -387,7 +387,7 @@
           <a:p>
             <a:fld id="{05247E74-41DE-40FA-A7A7-A655366ADCFA}" type="datetimeFigureOut">
               <a:rPr lang="sv-SE" smtClean="0"/>
-              <a:t>2014-12-02</a:t>
+              <a:t>2014-12-03</a:t>
             </a:fld>
             <a:endParaRPr lang="sv-SE"/>
           </a:p>
@@ -851,7 +851,7 @@
           <a:p>
             <a:fld id="{DB41BBF1-8D56-4061-8DE2-461FDAC177EF}" type="datetimeFigureOut">
               <a:rPr lang="sv-SE" smtClean="0"/>
-              <a:t>2014-12-02</a:t>
+              <a:t>2014-12-03</a:t>
             </a:fld>
             <a:endParaRPr lang="sv-SE"/>
           </a:p>
@@ -1115,7 +1115,7 @@
           <a:p>
             <a:fld id="{DB41BBF1-8D56-4061-8DE2-461FDAC177EF}" type="datetimeFigureOut">
               <a:rPr lang="sv-SE" smtClean="0"/>
-              <a:t>2014-12-02</a:t>
+              <a:t>2014-12-03</a:t>
             </a:fld>
             <a:endParaRPr lang="sv-SE"/>
           </a:p>
@@ -1292,7 +1292,7 @@
           <a:p>
             <a:fld id="{DB41BBF1-8D56-4061-8DE2-461FDAC177EF}" type="datetimeFigureOut">
               <a:rPr lang="sv-SE" smtClean="0"/>
-              <a:t>2014-12-02</a:t>
+              <a:t>2014-12-03</a:t>
             </a:fld>
             <a:endParaRPr lang="sv-SE"/>
           </a:p>
@@ -1479,7 +1479,7 @@
           <a:p>
             <a:fld id="{DB41BBF1-8D56-4061-8DE2-461FDAC177EF}" type="datetimeFigureOut">
               <a:rPr lang="sv-SE" smtClean="0"/>
-              <a:t>2014-12-02</a:t>
+              <a:t>2014-12-03</a:t>
             </a:fld>
             <a:endParaRPr lang="sv-SE"/>
           </a:p>
@@ -1743,7 +1743,7 @@
           <a:p>
             <a:fld id="{DB41BBF1-8D56-4061-8DE2-461FDAC177EF}" type="datetimeFigureOut">
               <a:rPr lang="sv-SE" smtClean="0"/>
-              <a:t>2014-12-02</a:t>
+              <a:t>2014-12-03</a:t>
             </a:fld>
             <a:endParaRPr lang="sv-SE"/>
           </a:p>
@@ -1920,7 +1920,7 @@
           <a:p>
             <a:fld id="{DB41BBF1-8D56-4061-8DE2-461FDAC177EF}" type="datetimeFigureOut">
               <a:rPr lang="sv-SE" smtClean="0"/>
-              <a:t>2014-12-02</a:t>
+              <a:t>2014-12-03</a:t>
             </a:fld>
             <a:endParaRPr lang="sv-SE"/>
           </a:p>
@@ -2173,7 +2173,7 @@
           <a:p>
             <a:fld id="{DB41BBF1-8D56-4061-8DE2-461FDAC177EF}" type="datetimeFigureOut">
               <a:rPr lang="sv-SE" smtClean="0"/>
-              <a:t>2014-12-02</a:t>
+              <a:t>2014-12-03</a:t>
             </a:fld>
             <a:endParaRPr lang="sv-SE"/>
           </a:p>
@@ -2468,7 +2468,7 @@
           <a:p>
             <a:fld id="{DB41BBF1-8D56-4061-8DE2-461FDAC177EF}" type="datetimeFigureOut">
               <a:rPr lang="sv-SE" smtClean="0"/>
-              <a:t>2014-12-02</a:t>
+              <a:t>2014-12-03</a:t>
             </a:fld>
             <a:endParaRPr lang="sv-SE"/>
           </a:p>
@@ -2897,7 +2897,7 @@
           <a:p>
             <a:fld id="{DB41BBF1-8D56-4061-8DE2-461FDAC177EF}" type="datetimeFigureOut">
               <a:rPr lang="sv-SE" smtClean="0"/>
-              <a:t>2014-12-02</a:t>
+              <a:t>2014-12-03</a:t>
             </a:fld>
             <a:endParaRPr lang="sv-SE"/>
           </a:p>
@@ -3022,7 +3022,7 @@
           <a:p>
             <a:fld id="{DB41BBF1-8D56-4061-8DE2-461FDAC177EF}" type="datetimeFigureOut">
               <a:rPr lang="sv-SE" smtClean="0"/>
-              <a:t>2014-12-02</a:t>
+              <a:t>2014-12-03</a:t>
             </a:fld>
             <a:endParaRPr lang="sv-SE"/>
           </a:p>
@@ -3124,7 +3124,7 @@
           <a:p>
             <a:fld id="{DB41BBF1-8D56-4061-8DE2-461FDAC177EF}" type="datetimeFigureOut">
               <a:rPr lang="sv-SE" smtClean="0"/>
-              <a:t>2014-12-02</a:t>
+              <a:t>2014-12-03</a:t>
             </a:fld>
             <a:endParaRPr lang="sv-SE"/>
           </a:p>
@@ -3408,7 +3408,7 @@
           <a:p>
             <a:fld id="{DB41BBF1-8D56-4061-8DE2-461FDAC177EF}" type="datetimeFigureOut">
               <a:rPr lang="sv-SE" smtClean="0"/>
-              <a:t>2014-12-02</a:t>
+              <a:t>2014-12-03</a:t>
             </a:fld>
             <a:endParaRPr lang="sv-SE"/>
           </a:p>
@@ -3636,7 +3636,7 @@
           <a:p>
             <a:fld id="{DB41BBF1-8D56-4061-8DE2-461FDAC177EF}" type="datetimeFigureOut">
               <a:rPr lang="sv-SE" smtClean="0"/>
-              <a:t>2014-12-02</a:t>
+              <a:t>2014-12-03</a:t>
             </a:fld>
             <a:endParaRPr lang="sv-SE"/>
           </a:p>
@@ -5883,11 +5883,7 @@
             </a:pPr>
             <a:r>
               <a:rPr lang="en-US" sz="3200" dirty="0" smtClean="0"/>
-              <a:t> Working with claims &amp; </a:t>
-            </a:r>
-            <a:r>
-              <a:rPr lang="en-US" sz="3200" dirty="0" smtClean="0"/>
-              <a:t>roles</a:t>
+              <a:t> Working with claims &amp; roles</a:t>
             </a:r>
             <a:endParaRPr lang="en-US" sz="3200" dirty="0"/>
           </a:p>
@@ -5993,8 +5989,8 @@
         </p:nvSpPr>
         <p:spPr>
           <a:xfrm>
-            <a:off x="179512" y="1600200"/>
-            <a:ext cx="8784976" cy="4525963"/>
+            <a:off x="467544" y="1600200"/>
+            <a:ext cx="8352928" cy="4525963"/>
           </a:xfrm>
         </p:spPr>
         <p:txBody>
@@ -6005,8 +6001,12 @@
               <a:buNone/>
             </a:pPr>
             <a:r>
-              <a:rPr lang="en-US" sz="3200" dirty="0" smtClean="0"/>
-              <a:t>In this exercise we are going to look at how you can:</a:t>
+              <a:rPr lang="en-US" dirty="0" smtClean="0"/>
+              <a:t>In </a:t>
+            </a:r>
+            <a:r>
+              <a:rPr lang="en-US" dirty="0" smtClean="0"/>
+              <a:t>this exercise we are going to look at how you can:</a:t>
             </a:r>
           </a:p>
           <a:p>
@@ -6017,27 +6017,104 @@
           </a:p>
           <a:p>
             <a:r>
-              <a:rPr lang="en-US" dirty="0" smtClean="0"/>
-              <a:t>Create &amp; Delete Identities</a:t>
-            </a:r>
-          </a:p>
-          <a:p>
-            <a:r>
-              <a:rPr lang="en-US" dirty="0" smtClean="0"/>
-              <a:t>Create &amp; Delete Claims</a:t>
-            </a:r>
-          </a:p>
-          <a:p>
-            <a:r>
-              <a:rPr lang="en-US" dirty="0" smtClean="0"/>
-              <a:t>Create, Delete &amp; Edit Roles</a:t>
-            </a:r>
-          </a:p>
-          <a:p>
-            <a:r>
-              <a:rPr lang="en-US" dirty="0" smtClean="0"/>
-              <a:t>Assign Roles to Identities</a:t>
-            </a:r>
+              <a:rPr lang="en-US" sz="2400" dirty="0" smtClean="0"/>
+              <a:t>Create &amp; Delete </a:t>
+            </a:r>
+            <a:r>
+              <a:rPr lang="en-US" sz="2400" b="1" dirty="0" smtClean="0">
+                <a:solidFill>
+                  <a:srgbClr val="77933C"/>
+                </a:solidFill>
+              </a:rPr>
+              <a:t>Identities</a:t>
+            </a:r>
+          </a:p>
+          <a:p>
+            <a:r>
+              <a:rPr lang="en-US" sz="2400" dirty="0" smtClean="0"/>
+              <a:t>Create &amp; Delete </a:t>
+            </a:r>
+            <a:r>
+              <a:rPr lang="en-US" sz="2400" b="1" dirty="0" smtClean="0">
+                <a:solidFill>
+                  <a:srgbClr val="77933C"/>
+                </a:solidFill>
+              </a:rPr>
+              <a:t>Claims</a:t>
+            </a:r>
+          </a:p>
+          <a:p>
+            <a:r>
+              <a:rPr lang="en-US" sz="2400" dirty="0" smtClean="0"/>
+              <a:t>Create, Delete &amp; Edit </a:t>
+            </a:r>
+            <a:r>
+              <a:rPr lang="en-US" sz="2400" b="1" dirty="0" smtClean="0">
+                <a:solidFill>
+                  <a:srgbClr val="77933C"/>
+                </a:solidFill>
+              </a:rPr>
+              <a:t>Roles</a:t>
+            </a:r>
+          </a:p>
+          <a:p>
+            <a:r>
+              <a:rPr lang="en-US" sz="2400" dirty="0" smtClean="0"/>
+              <a:t>Assign </a:t>
+            </a:r>
+            <a:r>
+              <a:rPr lang="en-US" sz="2400" b="1" dirty="0" smtClean="0">
+                <a:solidFill>
+                  <a:srgbClr val="77933C"/>
+                </a:solidFill>
+              </a:rPr>
+              <a:t>Roles</a:t>
+            </a:r>
+            <a:r>
+              <a:rPr lang="en-US" sz="2400" dirty="0" smtClean="0">
+                <a:solidFill>
+                  <a:srgbClr val="77933C"/>
+                </a:solidFill>
+              </a:rPr>
+              <a:t> </a:t>
+            </a:r>
+            <a:r>
+              <a:rPr lang="en-US" sz="2400" dirty="0" smtClean="0"/>
+              <a:t>to </a:t>
+            </a:r>
+            <a:r>
+              <a:rPr lang="en-US" sz="2400" b="1" dirty="0" smtClean="0">
+                <a:solidFill>
+                  <a:srgbClr val="77933C"/>
+                </a:solidFill>
+              </a:rPr>
+              <a:t>Identities</a:t>
+            </a:r>
+            <a:endParaRPr lang="en-US" sz="2400" b="1" dirty="0">
+              <a:solidFill>
+                <a:srgbClr val="77933C"/>
+              </a:solidFill>
+            </a:endParaRPr>
+          </a:p>
+          <a:p>
+            <a:pPr marL="0" indent="0">
+              <a:buNone/>
+            </a:pPr>
+            <a:endParaRPr lang="en-US" sz="2400" dirty="0" smtClean="0"/>
+          </a:p>
+          <a:p>
+            <a:pPr marL="0" indent="0">
+              <a:buNone/>
+            </a:pPr>
+            <a:r>
+              <a:rPr lang="en-US" sz="2400" dirty="0" smtClean="0"/>
+              <a:t>Note that this </a:t>
+            </a:r>
+            <a:r>
+              <a:rPr lang="en-US" sz="2400" dirty="0"/>
+              <a:t>exercise requires that you have an existing identity database structure.</a:t>
+            </a:r>
+            <a:endParaRPr lang="en-US" sz="2400" dirty="0" smtClean="0"/>
           </a:p>
         </p:txBody>
       </p:sp>
@@ -6138,7 +6215,7 @@
                   <a:srgbClr val="77933C"/>
                 </a:solidFill>
               </a:rPr>
-              <a:t>Usermanager</a:t>
+              <a:t>UserManager</a:t>
             </a:r>
             <a:r>
               <a:rPr lang="en-US" sz="2000" dirty="0" smtClean="0">
@@ -6158,7 +6235,7 @@
                   <a:srgbClr val="77933C"/>
                 </a:solidFill>
               </a:rPr>
-              <a:t>Rolemanager</a:t>
+              <a:t>RoleManager</a:t>
             </a:r>
             <a:r>
               <a:rPr lang="en-US" sz="2000" dirty="0" smtClean="0"/>
@@ -7051,20 +7128,12 @@
               <a:t> the </a:t>
             </a:r>
             <a:r>
-              <a:rPr lang="sv-SE" sz="2100" b="1" dirty="0" err="1">
+              <a:rPr lang="sv-SE" sz="2100" b="1" dirty="0" err="1" smtClean="0">
                 <a:solidFill>
                   <a:srgbClr val="77933C"/>
                 </a:solidFill>
               </a:rPr>
-              <a:t>U</a:t>
-            </a:r>
-            <a:r>
-              <a:rPr lang="sv-SE" sz="2100" b="1" dirty="0" err="1" smtClean="0">
-                <a:solidFill>
-                  <a:srgbClr val="77933C"/>
-                </a:solidFill>
-              </a:rPr>
-              <a:t>sermanager</a:t>
+              <a:t>UserManager</a:t>
             </a:r>
             <a:r>
               <a:rPr lang="sv-SE" sz="2100" dirty="0" smtClean="0">
@@ -7578,6 +7647,111 @@
               <a:t>}</a:t>
             </a:r>
             <a:endParaRPr lang="en-GB" sz="1500" dirty="0"/>
+          </a:p>
+        </p:txBody>
+      </p:sp>
+      <p:sp>
+        <p:nvSpPr>
+          <p:cNvPr id="4" name="Rektangel 3"/>
+          <p:cNvSpPr/>
+          <p:nvPr/>
+        </p:nvSpPr>
+        <p:spPr>
+          <a:xfrm>
+            <a:off x="570384" y="4437112"/>
+            <a:ext cx="8003232" cy="1368152"/>
+          </a:xfrm>
+          <a:prstGeom prst="rect">
+            <a:avLst/>
+          </a:prstGeom>
+          <a:solidFill>
+            <a:srgbClr val="FFFF99"/>
+          </a:solidFill>
+          <a:ln>
+            <a:solidFill>
+              <a:srgbClr val="FFFF99"/>
+            </a:solidFill>
+          </a:ln>
+        </p:spPr>
+        <p:style>
+          <a:lnRef idx="2">
+            <a:schemeClr val="accent1">
+              <a:shade val="50000"/>
+            </a:schemeClr>
+          </a:lnRef>
+          <a:fillRef idx="1">
+            <a:schemeClr val="accent1"/>
+          </a:fillRef>
+          <a:effectRef idx="0">
+            <a:schemeClr val="accent1"/>
+          </a:effectRef>
+          <a:fontRef idx="minor">
+            <a:schemeClr val="lt1"/>
+          </a:fontRef>
+        </p:style>
+        <p:txBody>
+          <a:bodyPr rtlCol="0" anchor="ctr"/>
+          <a:lstStyle/>
+          <a:p>
+            <a:pPr algn="ctr"/>
+            <a:r>
+              <a:rPr lang="en-US" sz="1600" dirty="0" smtClean="0">
+                <a:solidFill>
+                  <a:schemeClr val="tx1"/>
+                </a:solidFill>
+              </a:rPr>
+              <a:t>The </a:t>
+            </a:r>
+            <a:r>
+              <a:rPr lang="en-US" sz="1600" dirty="0" err="1" smtClean="0">
+                <a:solidFill>
+                  <a:schemeClr val="tx1"/>
+                </a:solidFill>
+              </a:rPr>
+              <a:t>UserManager</a:t>
+            </a:r>
+            <a:r>
+              <a:rPr lang="en-US" sz="1600" dirty="0" smtClean="0">
+                <a:solidFill>
+                  <a:schemeClr val="tx1"/>
+                </a:solidFill>
+              </a:rPr>
+              <a:t> contains several useful methods which can be used to manage your users</a:t>
+            </a:r>
+          </a:p>
+          <a:p>
+            <a:pPr algn="ctr"/>
+            <a:r>
+              <a:rPr lang="en-US" dirty="0">
+                <a:solidFill>
+                  <a:schemeClr val="tx1"/>
+                </a:solidFill>
+                <a:hlinkClick r:id="rId2"/>
+              </a:rPr>
+              <a:t>http://</a:t>
+            </a:r>
+            <a:r>
+              <a:rPr lang="en-US" dirty="0" smtClean="0">
+                <a:solidFill>
+                  <a:schemeClr val="tx1"/>
+                </a:solidFill>
+                <a:hlinkClick r:id="rId2"/>
+              </a:rPr>
+              <a:t>msdn.microsoft.com/en-us/library/dn613059%28v=vs.108%29.aspx</a:t>
+            </a:r>
+            <a:r>
+              <a:rPr lang="en-US" dirty="0" smtClean="0">
+                <a:solidFill>
+                  <a:schemeClr val="tx1"/>
+                </a:solidFill>
+              </a:rPr>
+              <a:t> </a:t>
+            </a:r>
+            <a:endParaRPr lang="en-US" dirty="0">
+              <a:solidFill>
+                <a:schemeClr val="tx1"/>
+              </a:solidFill>
+            </a:endParaRPr>
           </a:p>
         </p:txBody>
       </p:sp>
@@ -9831,6 +10005,111 @@
               <a:t>        }</a:t>
             </a:r>
             <a:endParaRPr lang="en-US" sz="1600" dirty="0"/>
+          </a:p>
+        </p:txBody>
+      </p:sp>
+      <p:sp>
+        <p:nvSpPr>
+          <p:cNvPr id="4" name="Rektangel 3"/>
+          <p:cNvSpPr/>
+          <p:nvPr/>
+        </p:nvSpPr>
+        <p:spPr>
+          <a:xfrm>
+            <a:off x="570384" y="4581128"/>
+            <a:ext cx="8003232" cy="1368152"/>
+          </a:xfrm>
+          <a:prstGeom prst="rect">
+            <a:avLst/>
+          </a:prstGeom>
+          <a:solidFill>
+            <a:srgbClr val="FFFF99"/>
+          </a:solidFill>
+          <a:ln>
+            <a:solidFill>
+              <a:srgbClr val="FFFF99"/>
+            </a:solidFill>
+          </a:ln>
+        </p:spPr>
+        <p:style>
+          <a:lnRef idx="2">
+            <a:schemeClr val="accent1">
+              <a:shade val="50000"/>
+            </a:schemeClr>
+          </a:lnRef>
+          <a:fillRef idx="1">
+            <a:schemeClr val="accent1"/>
+          </a:fillRef>
+          <a:effectRef idx="0">
+            <a:schemeClr val="accent1"/>
+          </a:effectRef>
+          <a:fontRef idx="minor">
+            <a:schemeClr val="lt1"/>
+          </a:fontRef>
+        </p:style>
+        <p:txBody>
+          <a:bodyPr rtlCol="0" anchor="ctr"/>
+          <a:lstStyle/>
+          <a:p>
+            <a:pPr algn="ctr"/>
+            <a:r>
+              <a:rPr lang="en-US" sz="1600" dirty="0" smtClean="0">
+                <a:solidFill>
+                  <a:schemeClr val="tx1"/>
+                </a:solidFill>
+              </a:rPr>
+              <a:t>The </a:t>
+            </a:r>
+            <a:r>
+              <a:rPr lang="en-US" sz="1600" dirty="0" err="1" smtClean="0">
+                <a:solidFill>
+                  <a:schemeClr val="tx1"/>
+                </a:solidFill>
+              </a:rPr>
+              <a:t>RoleManager</a:t>
+            </a:r>
+            <a:r>
+              <a:rPr lang="en-US" sz="1600" dirty="0" smtClean="0">
+                <a:solidFill>
+                  <a:schemeClr val="tx1"/>
+                </a:solidFill>
+              </a:rPr>
+              <a:t> contains several useful methods which can be used to manage your roles</a:t>
+            </a:r>
+          </a:p>
+          <a:p>
+            <a:pPr algn="ctr"/>
+            <a:r>
+              <a:rPr lang="en-US" dirty="0">
+                <a:solidFill>
+                  <a:schemeClr val="tx1"/>
+                </a:solidFill>
+                <a:hlinkClick r:id="rId2"/>
+              </a:rPr>
+              <a:t>http://msdn.microsoft.com/en-us/library/dn613286(v=vs.108).</a:t>
+            </a:r>
+            <a:r>
+              <a:rPr lang="en-US" dirty="0" smtClean="0">
+                <a:solidFill>
+                  <a:schemeClr val="tx1"/>
+                </a:solidFill>
+                <a:hlinkClick r:id="rId2"/>
+              </a:rPr>
+              <a:t>aspx</a:t>
+            </a:r>
+            <a:r>
+              <a:rPr lang="en-US" dirty="0" smtClean="0">
+                <a:solidFill>
+                  <a:schemeClr val="tx1"/>
+                </a:solidFill>
+              </a:rPr>
+              <a:t>  </a:t>
+            </a:r>
+            <a:endParaRPr lang="en-US" dirty="0">
+              <a:solidFill>
+                <a:schemeClr val="tx1"/>
+              </a:solidFill>
+            </a:endParaRPr>
           </a:p>
         </p:txBody>
       </p:sp>
